--- a/SoftUni Memory Game - Presentation.pptx
+++ b/SoftUni Memory Game - Presentation.pptx
@@ -5,16 +5,17 @@
     <p:sldMasterId id="2147484059" r:id="rId2"/>
   </p:sldMasterIdLst>
   <p:notesMasterIdLst>
-    <p:notesMasterId r:id="rId7"/>
+    <p:notesMasterId r:id="rId8"/>
   </p:notesMasterIdLst>
   <p:handoutMasterIdLst>
-    <p:handoutMasterId r:id="rId8"/>
+    <p:handoutMasterId r:id="rId9"/>
   </p:handoutMasterIdLst>
   <p:sldIdLst>
     <p:sldId id="257" r:id="rId3"/>
     <p:sldId id="258" r:id="rId4"/>
     <p:sldId id="259" r:id="rId5"/>
     <p:sldId id="260" r:id="rId6"/>
+    <p:sldId id="261" r:id="rId7"/>
   </p:sldIdLst>
   <p:sldSz cx="12188825" cy="6858000"/>
   <p:notesSz cx="6858000" cy="9144000"/>
@@ -228,7 +229,7 @@
           <a:p>
             <a:fld id="{FE5B4EDC-59C0-49C7-8ADA-5A781B329E02}" type="datetimeFigureOut">
               <a:rPr lang="en-US"/>
-              <a:t>11/18/2014</a:t>
+              <a:t>11/19/2014</a:t>
             </a:fld>
             <a:endParaRPr/>
           </a:p>
@@ -393,7 +394,7 @@
           <a:p>
             <a:fld id="{F2D8D46A-B586-417D-BFBD-8C8FE0AAF762}" type="datetimeFigureOut">
               <a:rPr lang="en-US"/>
-              <a:t>11/18/2014</a:t>
+              <a:t>11/19/2014</a:t>
             </a:fld>
             <a:endParaRPr/>
           </a:p>
@@ -1405,7 +1406,7 @@
           <a:p>
             <a:fld id="{F0DFD029-FB74-4578-B929-F66AA97659CA}" type="datetimeFigureOut">
               <a:rPr lang="en-US" smtClean="0"/>
-              <a:t>11/18/2014</a:t>
+              <a:t>11/19/2014</a:t>
             </a:fld>
             <a:endParaRPr lang="en-US"/>
           </a:p>
@@ -1676,7 +1677,7 @@
             <a:fld id="{F0DFD029-FB74-4578-B929-F66AA97659CA}" type="datetimeFigureOut">
               <a:rPr lang="en-US" smtClean="0"/>
               <a:pPr/>
-              <a:t>11/18/2014</a:t>
+              <a:t>11/19/2014</a:t>
             </a:fld>
             <a:endParaRPr lang="en-US"/>
           </a:p>
@@ -1999,7 +2000,7 @@
             <a:fld id="{F0DFD029-FB74-4578-B929-F66AA97659CA}" type="datetimeFigureOut">
               <a:rPr lang="en-US" smtClean="0"/>
               <a:pPr/>
-              <a:t>11/18/2014</a:t>
+              <a:t>11/19/2014</a:t>
             </a:fld>
             <a:endParaRPr lang="en-US"/>
           </a:p>
@@ -2341,7 +2342,7 @@
             <a:fld id="{F0DFD029-FB74-4578-B929-F66AA97659CA}" type="datetimeFigureOut">
               <a:rPr lang="en-US" smtClean="0"/>
               <a:pPr/>
-              <a:t>11/18/2014</a:t>
+              <a:t>11/19/2014</a:t>
             </a:fld>
             <a:endParaRPr lang="en-US"/>
           </a:p>
@@ -2664,7 +2665,7 @@
             <a:fld id="{F0DFD029-FB74-4578-B929-F66AA97659CA}" type="datetimeFigureOut">
               <a:rPr lang="en-US" smtClean="0"/>
               <a:pPr/>
-              <a:t>11/18/2014</a:t>
+              <a:t>11/19/2014</a:t>
             </a:fld>
             <a:endParaRPr lang="en-US"/>
           </a:p>
@@ -3066,7 +3067,7 @@
             <a:fld id="{F0DFD029-FB74-4578-B929-F66AA97659CA}" type="datetimeFigureOut">
               <a:rPr lang="en-US" smtClean="0"/>
               <a:pPr/>
-              <a:t>11/18/2014</a:t>
+              <a:t>11/19/2014</a:t>
             </a:fld>
             <a:endParaRPr lang="en-US"/>
           </a:p>
@@ -3244,7 +3245,7 @@
           <a:p>
             <a:fld id="{F0DFD029-FB74-4578-B929-F66AA97659CA}" type="datetimeFigureOut">
               <a:rPr lang="en-US" smtClean="0"/>
-              <a:t>11/18/2014</a:t>
+              <a:t>11/19/2014</a:t>
             </a:fld>
             <a:endParaRPr lang="en-US"/>
           </a:p>
@@ -3443,7 +3444,7 @@
           <a:p>
             <a:fld id="{F0DFD029-FB74-4578-B929-F66AA97659CA}" type="datetimeFigureOut">
               <a:rPr lang="en-US" smtClean="0"/>
-              <a:t>11/18/2014</a:t>
+              <a:t>11/19/2014</a:t>
             </a:fld>
             <a:endParaRPr lang="en-US"/>
           </a:p>
@@ -3632,7 +3633,7 @@
           <a:p>
             <a:fld id="{F0DFD029-FB74-4578-B929-F66AA97659CA}" type="datetimeFigureOut">
               <a:rPr lang="en-US" smtClean="0"/>
-              <a:t>11/18/2014</a:t>
+              <a:t>11/19/2014</a:t>
             </a:fld>
             <a:endParaRPr lang="en-US"/>
           </a:p>
@@ -3898,7 +3899,7 @@
           <a:p>
             <a:fld id="{F0DFD029-FB74-4578-B929-F66AA97659CA}" type="datetimeFigureOut">
               <a:rPr lang="en-US" smtClean="0"/>
-              <a:t>11/18/2014</a:t>
+              <a:t>11/19/2014</a:t>
             </a:fld>
             <a:endParaRPr lang="en-US"/>
           </a:p>
@@ -4149,7 +4150,7 @@
           <a:p>
             <a:fld id="{F0DFD029-FB74-4578-B929-F66AA97659CA}" type="datetimeFigureOut">
               <a:rPr lang="en-US" smtClean="0"/>
-              <a:t>11/18/2014</a:t>
+              <a:t>11/19/2014</a:t>
             </a:fld>
             <a:endParaRPr lang="en-US"/>
           </a:p>
@@ -4542,7 +4543,7 @@
           <a:p>
             <a:fld id="{F0DFD029-FB74-4578-B929-F66AA97659CA}" type="datetimeFigureOut">
               <a:rPr lang="en-US" smtClean="0"/>
-              <a:t>11/18/2014</a:t>
+              <a:t>11/19/2014</a:t>
             </a:fld>
             <a:endParaRPr lang="en-US"/>
           </a:p>
@@ -4684,7 +4685,7 @@
           <a:p>
             <a:fld id="{F0DFD029-FB74-4578-B929-F66AA97659CA}" type="datetimeFigureOut">
               <a:rPr lang="en-US" smtClean="0"/>
-              <a:t>11/18/2014</a:t>
+              <a:t>11/19/2014</a:t>
             </a:fld>
             <a:endParaRPr lang="en-US"/>
           </a:p>
@@ -4798,7 +4799,7 @@
           <a:p>
             <a:fld id="{F0DFD029-FB74-4578-B929-F66AA97659CA}" type="datetimeFigureOut">
               <a:rPr lang="en-US" smtClean="0"/>
-              <a:t>11/18/2014</a:t>
+              <a:t>11/19/2014</a:t>
             </a:fld>
             <a:endParaRPr lang="en-US"/>
           </a:p>
@@ -5072,7 +5073,7 @@
           <a:p>
             <a:fld id="{F0DFD029-FB74-4578-B929-F66AA97659CA}" type="datetimeFigureOut">
               <a:rPr lang="en-US" smtClean="0"/>
-              <a:t>11/18/2014</a:t>
+              <a:t>11/19/2014</a:t>
             </a:fld>
             <a:endParaRPr lang="en-US"/>
           </a:p>
@@ -5396,7 +5397,7 @@
           <a:p>
             <a:fld id="{F0DFD029-FB74-4578-B929-F66AA97659CA}" type="datetimeFigureOut">
               <a:rPr lang="en-US" smtClean="0"/>
-              <a:t>11/18/2014</a:t>
+              <a:t>11/19/2014</a:t>
             </a:fld>
             <a:endParaRPr lang="en-US"/>
           </a:p>
@@ -6118,7 +6119,7 @@
             <a:fld id="{F0DFD029-FB74-4578-B929-F66AA97659CA}" type="datetimeFigureOut">
               <a:rPr lang="en-US" smtClean="0"/>
               <a:pPr/>
-              <a:t>11/18/2014</a:t>
+              <a:t>11/19/2014</a:t>
             </a:fld>
             <a:endParaRPr lang="en-US"/>
           </a:p>
@@ -6824,225 +6825,6 @@
           <a:chExt cx="0" cy="0"/>
         </a:xfrm>
       </p:grpSpPr>
-      <p:sp>
-        <p:nvSpPr>
-          <p:cNvPr id="8" name="TextBox 7"/>
-          <p:cNvSpPr txBox="1"/>
-          <p:nvPr/>
-        </p:nvSpPr>
-        <p:spPr>
-          <a:xfrm>
-            <a:off x="6246812" y="2737245"/>
-            <a:ext cx="3581400" cy="1200329"/>
-          </a:xfrm>
-          <a:prstGeom prst="rect">
-            <a:avLst/>
-          </a:prstGeom>
-          <a:noFill/>
-        </p:spPr>
-        <p:txBody>
-          <a:bodyPr wrap="square" rtlCol="0">
-            <a:spAutoFit/>
-          </a:bodyPr>
-          <a:lstStyle/>
-          <a:p>
-            <a:pPr>
-              <a:buBlip>
-                <a:blip r:embed="rId2"/>
-              </a:buBlip>
-            </a:pPr>
-            <a:r>
-              <a:rPr lang="en-US" dirty="0" err="1">
-                <a:solidFill>
-                  <a:srgbClr val="F89C33"/>
-                </a:solidFill>
-              </a:rPr>
-              <a:t>Lyubomir</a:t>
-            </a:r>
-            <a:r>
-              <a:rPr lang="en-US" dirty="0">
-                <a:solidFill>
-                  <a:srgbClr val="F89C33"/>
-                </a:solidFill>
-              </a:rPr>
-              <a:t> </a:t>
-            </a:r>
-            <a:r>
-              <a:rPr lang="en-US" dirty="0" err="1">
-                <a:solidFill>
-                  <a:srgbClr val="F89C33"/>
-                </a:solidFill>
-              </a:rPr>
-              <a:t>Viktorov</a:t>
-            </a:r>
-            <a:endParaRPr lang="en-US" dirty="0">
-              <a:solidFill>
-                <a:srgbClr val="F89C33"/>
-              </a:solidFill>
-            </a:endParaRPr>
-          </a:p>
-          <a:p>
-            <a:pPr>
-              <a:buBlip>
-                <a:blip r:embed="rId2"/>
-              </a:buBlip>
-            </a:pPr>
-            <a:endParaRPr lang="en-US" dirty="0">
-              <a:solidFill>
-                <a:srgbClr val="F89C33"/>
-              </a:solidFill>
-            </a:endParaRPr>
-          </a:p>
-          <a:p>
-            <a:pPr>
-              <a:buBlip>
-                <a:blip r:embed="rId2"/>
-              </a:buBlip>
-            </a:pPr>
-            <a:r>
-              <a:rPr lang="en-US" dirty="0" err="1">
-                <a:solidFill>
-                  <a:srgbClr val="F89C33"/>
-                </a:solidFill>
-              </a:rPr>
-              <a:t>Svilen</a:t>
-            </a:r>
-            <a:r>
-              <a:rPr lang="en-US" dirty="0">
-                <a:solidFill>
-                  <a:srgbClr val="F89C33"/>
-                </a:solidFill>
-              </a:rPr>
-              <a:t> </a:t>
-            </a:r>
-            <a:r>
-              <a:rPr lang="en-US" dirty="0" err="1">
-                <a:solidFill>
-                  <a:srgbClr val="F89C33"/>
-                </a:solidFill>
-              </a:rPr>
-              <a:t>Tyutyunev</a:t>
-            </a:r>
-            <a:endParaRPr lang="en-US" dirty="0">
-              <a:solidFill>
-                <a:srgbClr val="F89C33"/>
-              </a:solidFill>
-            </a:endParaRPr>
-          </a:p>
-        </p:txBody>
-      </p:sp>
-      <p:sp>
-        <p:nvSpPr>
-          <p:cNvPr id="10" name="TextBox 9"/>
-          <p:cNvSpPr txBox="1"/>
-          <p:nvPr/>
-        </p:nvSpPr>
-        <p:spPr>
-          <a:xfrm>
-            <a:off x="675570" y="2737245"/>
-            <a:ext cx="3818642" cy="1569660"/>
-          </a:xfrm>
-          <a:prstGeom prst="rect">
-            <a:avLst/>
-          </a:prstGeom>
-          <a:noFill/>
-        </p:spPr>
-        <p:txBody>
-          <a:bodyPr wrap="square" rtlCol="0">
-            <a:spAutoFit/>
-          </a:bodyPr>
-          <a:lstStyle/>
-          <a:p>
-            <a:pPr>
-              <a:buBlip>
-                <a:blip r:embed="rId2"/>
-              </a:buBlip>
-            </a:pPr>
-            <a:r>
-              <a:rPr lang="en-US" dirty="0"/>
-              <a:t> </a:t>
-            </a:r>
-            <a:r>
-              <a:rPr lang="en-US" dirty="0" err="1">
-                <a:solidFill>
-                  <a:srgbClr val="F89C33"/>
-                </a:solidFill>
-              </a:rPr>
-              <a:t>Teodor</a:t>
-            </a:r>
-            <a:r>
-              <a:rPr lang="en-US" dirty="0">
-                <a:solidFill>
-                  <a:srgbClr val="F89C33"/>
-                </a:solidFill>
-              </a:rPr>
-              <a:t> </a:t>
-            </a:r>
-            <a:r>
-              <a:rPr lang="en-US" dirty="0" err="1">
-                <a:solidFill>
-                  <a:srgbClr val="F89C33"/>
-                </a:solidFill>
-              </a:rPr>
-              <a:t>Penev</a:t>
-            </a:r>
-            <a:r>
-              <a:rPr lang="en-US" dirty="0">
-                <a:solidFill>
-                  <a:srgbClr val="F89C33"/>
-                </a:solidFill>
-              </a:rPr>
-              <a:t> </a:t>
-            </a:r>
-          </a:p>
-          <a:p>
-            <a:endParaRPr lang="en-US" dirty="0">
-              <a:solidFill>
-                <a:srgbClr val="F89C33"/>
-              </a:solidFill>
-            </a:endParaRPr>
-          </a:p>
-          <a:p>
-            <a:pPr>
-              <a:buBlip>
-                <a:blip r:embed="rId2"/>
-              </a:buBlip>
-            </a:pPr>
-            <a:r>
-              <a:rPr lang="en-US" dirty="0" err="1">
-                <a:solidFill>
-                  <a:srgbClr val="F89C33"/>
-                </a:solidFill>
-              </a:rPr>
-              <a:t>Nicollette</a:t>
-            </a:r>
-            <a:r>
-              <a:rPr lang="en-US" dirty="0">
-                <a:solidFill>
-                  <a:srgbClr val="F89C33"/>
-                </a:solidFill>
-              </a:rPr>
-              <a:t> </a:t>
-            </a:r>
-            <a:r>
-              <a:rPr lang="en-US" dirty="0" err="1" smtClean="0">
-                <a:solidFill>
-                  <a:srgbClr val="F89C33"/>
-                </a:solidFill>
-              </a:rPr>
-              <a:t>Karaivanova</a:t>
-            </a:r>
-            <a:endParaRPr lang="en-US" dirty="0">
-              <a:solidFill>
-                <a:srgbClr val="F89C33"/>
-              </a:solidFill>
-            </a:endParaRPr>
-          </a:p>
-          <a:p>
-            <a:endParaRPr lang="en-US" dirty="0"/>
-          </a:p>
-        </p:txBody>
-      </p:sp>
       <p:pic>
         <p:nvPicPr>
           <p:cNvPr id="2" name="Picture 1"/>
@@ -7052,7 +6834,7 @@
           <p:nvPr/>
         </p:nvPicPr>
         <p:blipFill>
-          <a:blip r:embed="rId3">
+          <a:blip r:embed="rId2">
             <a:extLst>
               <a:ext uri="{28A0092B-C50C-407E-A947-70E740481C1C}">
                 <a14:useLocalDpi xmlns:a14="http://schemas.microsoft.com/office/drawing/2010/main" val="0"/>
@@ -7073,6 +6855,282 @@
           </a:prstGeom>
         </p:spPr>
       </p:pic>
+      <p:sp>
+        <p:nvSpPr>
+          <p:cNvPr id="8" name="TextBox 7"/>
+          <p:cNvSpPr txBox="1"/>
+          <p:nvPr/>
+        </p:nvSpPr>
+        <p:spPr>
+          <a:xfrm>
+            <a:off x="6246812" y="2737245"/>
+            <a:ext cx="3581400" cy="2308324"/>
+          </a:xfrm>
+          <a:prstGeom prst="rect">
+            <a:avLst/>
+          </a:prstGeom>
+        </p:spPr>
+        <p:txBody>
+          <a:bodyPr wrap="square" rtlCol="0">
+            <a:spAutoFit/>
+          </a:bodyPr>
+          <a:lstStyle/>
+          <a:p>
+            <a:pPr>
+              <a:buBlip>
+                <a:blip r:embed="rId3"/>
+              </a:buBlip>
+            </a:pPr>
+            <a:r>
+              <a:rPr lang="en-US" dirty="0" err="1">
+                <a:solidFill>
+                  <a:srgbClr val="F89C33"/>
+                </a:solidFill>
+              </a:rPr>
+              <a:t>Lyubomir</a:t>
+            </a:r>
+            <a:r>
+              <a:rPr lang="en-US" dirty="0">
+                <a:solidFill>
+                  <a:srgbClr val="F89C33"/>
+                </a:solidFill>
+              </a:rPr>
+              <a:t> </a:t>
+            </a:r>
+            <a:r>
+              <a:rPr lang="en-US" dirty="0" err="1">
+                <a:solidFill>
+                  <a:srgbClr val="F89C33"/>
+                </a:solidFill>
+              </a:rPr>
+              <a:t>Viktorov</a:t>
+            </a:r>
+            <a:endParaRPr lang="en-US" dirty="0">
+              <a:solidFill>
+                <a:srgbClr val="F89C33"/>
+              </a:solidFill>
+            </a:endParaRPr>
+          </a:p>
+          <a:p>
+            <a:pPr>
+              <a:buBlip>
+                <a:blip r:embed="rId3"/>
+              </a:buBlip>
+            </a:pPr>
+            <a:endParaRPr lang="en-US" dirty="0">
+              <a:solidFill>
+                <a:srgbClr val="F89C33"/>
+              </a:solidFill>
+            </a:endParaRPr>
+          </a:p>
+          <a:p>
+            <a:pPr>
+              <a:buBlip>
+                <a:blip r:embed="rId3"/>
+              </a:buBlip>
+            </a:pPr>
+            <a:r>
+              <a:rPr lang="en-US" dirty="0" err="1">
+                <a:solidFill>
+                  <a:srgbClr val="F89C33"/>
+                </a:solidFill>
+              </a:rPr>
+              <a:t>Svilen</a:t>
+            </a:r>
+            <a:r>
+              <a:rPr lang="en-US" dirty="0">
+                <a:solidFill>
+                  <a:srgbClr val="F89C33"/>
+                </a:solidFill>
+              </a:rPr>
+              <a:t> </a:t>
+            </a:r>
+            <a:r>
+              <a:rPr lang="en-US" dirty="0" err="1" smtClean="0">
+                <a:solidFill>
+                  <a:srgbClr val="F89C33"/>
+                </a:solidFill>
+              </a:rPr>
+              <a:t>Tyutyunev</a:t>
+            </a:r>
+            <a:endParaRPr lang="bg-BG" dirty="0" smtClean="0">
+              <a:solidFill>
+                <a:srgbClr val="F89C33"/>
+              </a:solidFill>
+            </a:endParaRPr>
+          </a:p>
+          <a:p>
+            <a:pPr>
+              <a:buBlip>
+                <a:blip r:embed="rId3"/>
+              </a:buBlip>
+            </a:pPr>
+            <a:endParaRPr lang="bg-BG" dirty="0" smtClean="0">
+              <a:solidFill>
+                <a:srgbClr val="F89C33"/>
+              </a:solidFill>
+            </a:endParaRPr>
+          </a:p>
+          <a:p>
+            <a:pPr indent="-342900">
+              <a:buBlip>
+                <a:blip r:embed="rId3"/>
+              </a:buBlip>
+            </a:pPr>
+            <a:r>
+              <a:rPr lang="en-US" dirty="0" err="1">
+                <a:solidFill>
+                  <a:srgbClr val="F89C33"/>
+                </a:solidFill>
+              </a:rPr>
+              <a:t>Georgi</a:t>
+            </a:r>
+            <a:r>
+              <a:rPr lang="en-US" dirty="0">
+                <a:solidFill>
+                  <a:srgbClr val="F89C33"/>
+                </a:solidFill>
+              </a:rPr>
+              <a:t> </a:t>
+            </a:r>
+            <a:r>
+              <a:rPr lang="en-US" dirty="0" err="1">
+                <a:solidFill>
+                  <a:srgbClr val="F89C33"/>
+                </a:solidFill>
+              </a:rPr>
+              <a:t>Marinov</a:t>
+            </a:r>
+            <a:r>
+              <a:rPr lang="en-US" dirty="0">
+                <a:solidFill>
+                  <a:srgbClr val="F89C33"/>
+                </a:solidFill>
+              </a:rPr>
+              <a:t> </a:t>
+            </a:r>
+          </a:p>
+          <a:p>
+            <a:endParaRPr lang="en-US" dirty="0">
+              <a:solidFill>
+                <a:srgbClr val="F89C33"/>
+              </a:solidFill>
+            </a:endParaRPr>
+          </a:p>
+        </p:txBody>
+      </p:sp>
+      <p:sp>
+        <p:nvSpPr>
+          <p:cNvPr id="10" name="TextBox 9"/>
+          <p:cNvSpPr txBox="1"/>
+          <p:nvPr/>
+        </p:nvSpPr>
+        <p:spPr>
+          <a:xfrm>
+            <a:off x="675570" y="2737245"/>
+            <a:ext cx="3818642" cy="1569660"/>
+          </a:xfrm>
+          <a:prstGeom prst="rect">
+            <a:avLst/>
+          </a:prstGeom>
+          <a:noFill/>
+        </p:spPr>
+        <p:txBody>
+          <a:bodyPr wrap="square" rtlCol="0">
+            <a:spAutoFit/>
+          </a:bodyPr>
+          <a:lstStyle/>
+          <a:p>
+            <a:pPr>
+              <a:buBlip>
+                <a:blip r:embed="rId3"/>
+              </a:buBlip>
+            </a:pPr>
+            <a:r>
+              <a:rPr lang="en-US" dirty="0"/>
+              <a:t> </a:t>
+            </a:r>
+            <a:r>
+              <a:rPr lang="en-US" dirty="0" err="1">
+                <a:solidFill>
+                  <a:srgbClr val="F89C33"/>
+                </a:solidFill>
+              </a:rPr>
+              <a:t>Teodor</a:t>
+            </a:r>
+            <a:r>
+              <a:rPr lang="en-US" dirty="0">
+                <a:solidFill>
+                  <a:srgbClr val="F89C33"/>
+                </a:solidFill>
+              </a:rPr>
+              <a:t> </a:t>
+            </a:r>
+            <a:r>
+              <a:rPr lang="en-US" dirty="0" err="1">
+                <a:solidFill>
+                  <a:srgbClr val="F89C33"/>
+                </a:solidFill>
+              </a:rPr>
+              <a:t>Penev</a:t>
+            </a:r>
+            <a:r>
+              <a:rPr lang="en-US" dirty="0">
+                <a:solidFill>
+                  <a:srgbClr val="F89C33"/>
+                </a:solidFill>
+              </a:rPr>
+              <a:t> </a:t>
+            </a:r>
+          </a:p>
+          <a:p>
+            <a:endParaRPr lang="en-US" dirty="0">
+              <a:solidFill>
+                <a:srgbClr val="F89C33"/>
+              </a:solidFill>
+            </a:endParaRPr>
+          </a:p>
+          <a:p>
+            <a:pPr>
+              <a:buBlip>
+                <a:blip r:embed="rId3"/>
+              </a:buBlip>
+            </a:pPr>
+            <a:r>
+              <a:rPr lang="en-US" dirty="0" err="1">
+                <a:solidFill>
+                  <a:srgbClr val="F89C33"/>
+                </a:solidFill>
+              </a:rPr>
+              <a:t>Nicollette</a:t>
+            </a:r>
+            <a:r>
+              <a:rPr lang="en-US" dirty="0">
+                <a:solidFill>
+                  <a:srgbClr val="F89C33"/>
+                </a:solidFill>
+              </a:rPr>
+              <a:t> </a:t>
+            </a:r>
+            <a:r>
+              <a:rPr lang="en-US" dirty="0" err="1" smtClean="0">
+                <a:solidFill>
+                  <a:srgbClr val="F89C33"/>
+                </a:solidFill>
+              </a:rPr>
+              <a:t>Karaivanova</a:t>
+            </a:r>
+            <a:endParaRPr lang="en-US" dirty="0">
+              <a:solidFill>
+                <a:srgbClr val="F89C33"/>
+              </a:solidFill>
+            </a:endParaRPr>
+          </a:p>
+          <a:p>
+            <a:endParaRPr lang="en-US" dirty="0"/>
+          </a:p>
+        </p:txBody>
+      </p:sp>
     </p:spTree>
     <p:extLst>
       <p:ext uri="{BB962C8B-B14F-4D97-AF65-F5344CB8AC3E}">
@@ -7694,6 +7752,74 @@
       </p:par>
     </p:tnLst>
   </p:timing>
+</p:sld>
+</file>
+
+<file path=ppt/slides/slide5.xml><?xml version="1.0" encoding="utf-8"?>
+<p:sld xmlns:a="http://schemas.openxmlformats.org/drawingml/2006/main" xmlns:r="http://schemas.openxmlformats.org/officeDocument/2006/relationships" xmlns:p="http://schemas.openxmlformats.org/presentationml/2006/main">
+  <p:cSld>
+    <p:spTree>
+      <p:nvGrpSpPr>
+        <p:cNvPr id="1" name=""/>
+        <p:cNvGrpSpPr/>
+        <p:nvPr/>
+      </p:nvGrpSpPr>
+      <p:grpSpPr>
+        <a:xfrm>
+          <a:off x="0" y="0"/>
+          <a:ext cx="0" cy="0"/>
+          <a:chOff x="0" y="0"/>
+          <a:chExt cx="0" cy="0"/>
+        </a:xfrm>
+      </p:grpSpPr>
+      <p:sp>
+        <p:nvSpPr>
+          <p:cNvPr id="2" name="Title 1"/>
+          <p:cNvSpPr>
+            <a:spLocks noGrp="1"/>
+          </p:cNvSpPr>
+          <p:nvPr>
+            <p:ph type="title"/>
+          </p:nvPr>
+        </p:nvSpPr>
+        <p:spPr/>
+        <p:txBody>
+          <a:bodyPr/>
+          <a:lstStyle/>
+          <a:p>
+            <a:endParaRPr lang="bg-BG"/>
+          </a:p>
+        </p:txBody>
+      </p:sp>
+      <p:sp>
+        <p:nvSpPr>
+          <p:cNvPr id="3" name="Text Placeholder 2"/>
+          <p:cNvSpPr>
+            <a:spLocks noGrp="1"/>
+          </p:cNvSpPr>
+          <p:nvPr>
+            <p:ph type="body" idx="1"/>
+          </p:nvPr>
+        </p:nvSpPr>
+        <p:spPr/>
+        <p:txBody>
+          <a:bodyPr/>
+          <a:lstStyle/>
+          <a:p>
+            <a:endParaRPr lang="bg-BG"/>
+          </a:p>
+        </p:txBody>
+      </p:sp>
+    </p:spTree>
+    <p:extLst>
+      <p:ext uri="{BB962C8B-B14F-4D97-AF65-F5344CB8AC3E}">
+        <p14:creationId xmlns:p14="http://schemas.microsoft.com/office/powerpoint/2010/main" val="2799064375"/>
+      </p:ext>
+    </p:extLst>
+  </p:cSld>
+  <p:clrMapOvr>
+    <a:masterClrMapping/>
+  </p:clrMapOvr>
 </p:sld>
 </file>
 

--- a/SoftUni Memory Game - Presentation.pptx
+++ b/SoftUni Memory Game - Presentation.pptx
@@ -7782,31 +7782,243 @@
             <p:ph type="title"/>
           </p:nvPr>
         </p:nvSpPr>
-        <p:spPr/>
-        <p:txBody>
-          <a:bodyPr/>
+        <p:spPr>
+          <a:xfrm>
+            <a:off x="677159" y="609600"/>
+            <a:ext cx="8594429" cy="4038600"/>
+          </a:xfrm>
+        </p:spPr>
+        <p:txBody>
+          <a:bodyPr>
+            <a:normAutofit fontScale="90000"/>
+          </a:bodyPr>
           <a:lstStyle/>
           <a:p>
-            <a:endParaRPr lang="bg-BG"/>
-          </a:p>
-        </p:txBody>
-      </p:sp>
-      <p:sp>
-        <p:nvSpPr>
-          <p:cNvPr id="3" name="Text Placeholder 2"/>
-          <p:cNvSpPr>
-            <a:spLocks noGrp="1"/>
-          </p:cNvSpPr>
-          <p:nvPr>
-            <p:ph type="body" idx="1"/>
-          </p:nvPr>
-        </p:nvSpPr>
-        <p:spPr/>
-        <p:txBody>
-          <a:bodyPr/>
-          <a:lstStyle/>
-          <a:p>
-            <a:endParaRPr lang="bg-BG"/>
+            <a:pPr>
+              <a:spcAft>
+                <a:spcPts val="1200"/>
+              </a:spcAft>
+            </a:pPr>
+            <a:r>
+              <a:rPr lang="en-US" sz="2800" dirty="0" smtClean="0"/>
+              <a:t>Contributions:</a:t>
+            </a:r>
+            <a:r>
+              <a:rPr lang="en-US" sz="2400" dirty="0" smtClean="0"/>
+              <a:t/>
+            </a:r>
+            <a:br>
+              <a:rPr lang="en-US" sz="2400" dirty="0" smtClean="0"/>
+            </a:br>
+            <a:r>
+              <a:rPr lang="en-US" sz="2400" dirty="0" smtClean="0"/>
+              <a:t>1. </a:t>
+            </a:r>
+            <a:r>
+              <a:rPr lang="en-US" sz="2400" dirty="0"/>
+              <a:t>Ideas gathering - whole </a:t>
+            </a:r>
+            <a:r>
+              <a:rPr lang="en-US" sz="2400" dirty="0" smtClean="0"/>
+              <a:t>team</a:t>
+            </a:r>
+            <a:r>
+              <a:rPr lang="en-US" sz="2400" dirty="0"/>
+              <a:t/>
+            </a:r>
+            <a:br>
+              <a:rPr lang="en-US" sz="2400" dirty="0"/>
+            </a:br>
+            <a:r>
+              <a:rPr lang="en-US" sz="2400" dirty="0"/>
+              <a:t>2. </a:t>
+            </a:r>
+            <a:r>
+              <a:rPr lang="en-US" sz="2400" dirty="0" err="1"/>
+              <a:t>Git</a:t>
+            </a:r>
+            <a:r>
+              <a:rPr lang="en-US" sz="2400" dirty="0"/>
+              <a:t> Repository - </a:t>
+            </a:r>
+            <a:r>
+              <a:rPr lang="en-US" sz="2400" dirty="0" smtClean="0"/>
+              <a:t>Teodor</a:t>
+            </a:r>
+            <a:r>
+              <a:rPr lang="en-US" sz="2400" dirty="0"/>
+              <a:t/>
+            </a:r>
+            <a:br>
+              <a:rPr lang="en-US" sz="2400" dirty="0"/>
+            </a:br>
+            <a:r>
+              <a:rPr lang="en-US" sz="2400" dirty="0"/>
+              <a:t>3. First basic version - whole </a:t>
+            </a:r>
+            <a:r>
+              <a:rPr lang="en-US" sz="2400" dirty="0" smtClean="0"/>
+              <a:t>team</a:t>
+            </a:r>
+            <a:br>
+              <a:rPr lang="en-US" sz="2400" dirty="0" smtClean="0"/>
+            </a:br>
+            <a:r>
+              <a:rPr lang="en-US" sz="2400" dirty="0" smtClean="0"/>
+              <a:t>4. HTML structure –Teodor, </a:t>
+            </a:r>
+            <a:r>
+              <a:rPr lang="en-US" sz="2400" dirty="0" err="1" smtClean="0"/>
+              <a:t>Svilen</a:t>
+            </a:r>
+            <a:r>
+              <a:rPr lang="en-US" sz="2400" dirty="0" smtClean="0"/>
+              <a:t/>
+            </a:r>
+            <a:br>
+              <a:rPr lang="en-US" sz="2400" dirty="0" smtClean="0"/>
+            </a:br>
+            <a:r>
+              <a:rPr lang="en-US" sz="2400" dirty="0" smtClean="0"/>
+              <a:t>5. CSS design – </a:t>
+            </a:r>
+            <a:r>
+              <a:rPr lang="en-US" sz="2400" dirty="0" err="1" smtClean="0"/>
+              <a:t>Lyubomir</a:t>
+            </a:r>
+            <a:r>
+              <a:rPr lang="en-US" sz="2400" dirty="0" smtClean="0"/>
+              <a:t>, </a:t>
+            </a:r>
+            <a:r>
+              <a:rPr lang="en-US" sz="2400" dirty="0" err="1" smtClean="0"/>
+              <a:t>Georgi</a:t>
+            </a:r>
+            <a:r>
+              <a:rPr lang="en-US" sz="2400" dirty="0" smtClean="0"/>
+              <a:t>, </a:t>
+            </a:r>
+            <a:r>
+              <a:rPr lang="en-US" sz="2400" dirty="0" err="1" smtClean="0"/>
+              <a:t>Nicollette</a:t>
+            </a:r>
+            <a:r>
+              <a:rPr lang="en-US" sz="2400" dirty="0" smtClean="0"/>
+              <a:t> </a:t>
+            </a:r>
+            <a:br>
+              <a:rPr lang="en-US" sz="2400" dirty="0" smtClean="0"/>
+            </a:br>
+            <a:r>
+              <a:rPr lang="en-US" sz="2400" dirty="0" smtClean="0"/>
+              <a:t>6. JS basics functionality – whole team</a:t>
+            </a:r>
+            <a:br>
+              <a:rPr lang="en-US" sz="2400" dirty="0" smtClean="0"/>
+            </a:br>
+            <a:r>
+              <a:rPr lang="en-US" sz="2400" dirty="0" smtClean="0"/>
+              <a:t>7. Timer system – </a:t>
+            </a:r>
+            <a:r>
+              <a:rPr lang="en-US" sz="2400" dirty="0" err="1" smtClean="0"/>
+              <a:t>Lyubomir</a:t>
+            </a:r>
+            <a:r>
+              <a:rPr lang="en-US" sz="2400" dirty="0" smtClean="0"/>
+              <a:t/>
+            </a:r>
+            <a:br>
+              <a:rPr lang="en-US" sz="2400" dirty="0" smtClean="0"/>
+            </a:br>
+            <a:r>
+              <a:rPr lang="en-US" sz="2400" dirty="0" smtClean="0"/>
+              <a:t>8. Score system -</a:t>
+            </a:r>
+            <a:r>
+              <a:rPr lang="en-US" sz="2200" dirty="0" smtClean="0"/>
+              <a:t> </a:t>
+            </a:r>
+            <a:r>
+              <a:rPr lang="en-US" sz="2200" dirty="0" err="1" smtClean="0"/>
+              <a:t>Lybomir</a:t>
+            </a:r>
+            <a:r>
+              <a:rPr lang="en-US" sz="2200" dirty="0" smtClean="0"/>
+              <a:t>, </a:t>
+            </a:r>
+            <a:r>
+              <a:rPr lang="en-US" sz="2400" dirty="0" err="1" smtClean="0"/>
+              <a:t>Georgi</a:t>
+            </a:r>
+            <a:r>
+              <a:rPr lang="en-US" sz="2400" dirty="0"/>
+              <a:t>, </a:t>
+            </a:r>
+            <a:r>
+              <a:rPr lang="en-US" sz="2400" dirty="0" err="1" smtClean="0"/>
+              <a:t>Nicollette</a:t>
+            </a:r>
+            <a:r>
+              <a:rPr lang="en-US" sz="2400" dirty="0" smtClean="0"/>
+              <a:t> </a:t>
+            </a:r>
+            <a:r>
+              <a:rPr lang="en-US" sz="2400" dirty="0"/>
+              <a:t/>
+            </a:r>
+            <a:br>
+              <a:rPr lang="en-US" sz="2400" dirty="0"/>
+            </a:br>
+            <a:r>
+              <a:rPr lang="en-US" sz="2400" dirty="0" smtClean="0"/>
+              <a:t>9. Sounds - </a:t>
+            </a:r>
+            <a:r>
+              <a:rPr lang="en-US" sz="2400" dirty="0" err="1" smtClean="0"/>
+              <a:t>Svilen</a:t>
+            </a:r>
+            <a:r>
+              <a:rPr lang="en-US" sz="2400" dirty="0" smtClean="0"/>
+              <a:t/>
+            </a:r>
+            <a:br>
+              <a:rPr lang="en-US" sz="2400" dirty="0" smtClean="0"/>
+            </a:br>
+            <a:r>
+              <a:rPr lang="en-US" sz="2400" dirty="0" smtClean="0"/>
+              <a:t>10. Testing - whole team</a:t>
+            </a:r>
+            <a:br>
+              <a:rPr lang="en-US" sz="2400" dirty="0" smtClean="0"/>
+            </a:br>
+            <a:r>
+              <a:rPr lang="en-US" sz="2400" dirty="0" smtClean="0"/>
+              <a:t>11. Presentation – </a:t>
+            </a:r>
+            <a:r>
+              <a:rPr lang="en-US" sz="2400" dirty="0" err="1" smtClean="0"/>
+              <a:t>Svilen</a:t>
+            </a:r>
+            <a:r>
+              <a:rPr lang="en-US" sz="2400" dirty="0" smtClean="0"/>
+              <a:t>, Teodor</a:t>
+            </a:r>
+            <a:r>
+              <a:rPr lang="en-US" sz="2400" dirty="0"/>
+              <a:t/>
+            </a:r>
+            <a:br>
+              <a:rPr lang="en-US" sz="2400" dirty="0"/>
+            </a:br>
+            <a:r>
+              <a:rPr lang="en-US" sz="2400" dirty="0"/>
+              <a:t/>
+            </a:r>
+            <a:br>
+              <a:rPr lang="en-US" sz="2400" dirty="0"/>
+            </a:br>
+            <a:endParaRPr lang="bg-BG" sz="2400" dirty="0"/>
           </a:p>
         </p:txBody>
       </p:sp>
